--- a/Paper Presentation.pptx
+++ b/Paper Presentation.pptx
@@ -211,7 +211,7 @@
           <a:p>
             <a:fld id="{F5CE0AF7-99D6-4B21-9774-1CBA84D0960F}" type="datetimeFigureOut">
               <a:rPr lang="en-US" smtClean="0"/>
-              <a:t>4/13/2019</a:t>
+              <a:t>7/27/2020</a:t>
             </a:fld>
             <a:endParaRPr lang="en-US"/>
           </a:p>
@@ -377,7 +377,7 @@
           <a:p>
             <a:fld id="{83A65671-0AD1-4F62-A32D-D563638E5742}" type="datetimeFigureOut">
               <a:rPr lang="en-US" smtClean="0"/>
-              <a:t>4/13/2019</a:t>
+              <a:t>7/27/2020</a:t>
             </a:fld>
             <a:endParaRPr lang="en-US"/>
           </a:p>
@@ -862,13 +862,8 @@
                 </a:r>
                 <a:r>
                   <a:rPr lang="en-US" baseline="0" dirty="0"/>
-                  <a:t> But at the very last stage, information collection does not help because of the low customer heterogeneity, which means neighboring customers share similar preference. Therefore, treating similar customers differently isn’t really better than treating them in </a:t>
+                  <a:t> But at the very last stage, information collection does not help because of the low customer heterogeneity, which means neighboring customers share similar preference. Therefore, treating similar customers differently isn’t really better than treating them in similar ways at the last stage. </a:t>
                 </a:r>
-                <a:r>
-                  <a:rPr lang="en-US" baseline="0"/>
-                  <a:t>similar ways at the last stage. </a:t>
-                </a:r>
-                <a:endParaRPr lang="en-US" baseline="0" dirty="0"/>
               </a:p>
               <a:p>
                 <a:pPr marL="628650" lvl="1" indent="-171450">
@@ -1002,111 +997,6 @@
                   <a:rPr lang="en-US" dirty="0"/>
                   <a:t>Under market symmetry, information collection isn’t profitable until the retailer puts his maximum effort. The number of customers preferring product 1 equals to the number of customers preferring product 2. </a:t>
                 </a:r>
-                <a:r>
-                  <a:rPr lang="zh-CN" altLang="en-US" dirty="0"/>
-                  <a:t>解释一下 从 </a:t>
-                </a:r>
-                <a14:m>
-                  <m:oMath xmlns:m="http://schemas.openxmlformats.org/officeDocument/2006/math">
-                    <m:r>
-                      <a:rPr lang="en-US" altLang="zh-CN" b="0" i="1" smtClean="0">
-                        <a:latin typeface="Cambria Math" panose="02040503050406030204" pitchFamily="18" charset="0"/>
-                      </a:rPr>
-                      <m:t>𝑝</m:t>
-                    </m:r>
-                  </m:oMath>
-                </a14:m>
-                <a:r>
-                  <a:rPr lang="en-US" dirty="0"/>
-                  <a:t> </a:t>
-                </a:r>
-                <a:r>
-                  <a:rPr lang="zh-CN" altLang="en-US" dirty="0"/>
-                  <a:t>和 </a:t>
-                </a:r>
-                <a14:m>
-                  <m:oMath xmlns:m="http://schemas.openxmlformats.org/officeDocument/2006/math">
-                    <m:r>
-                      <a:rPr lang="en-US" altLang="zh-CN" b="0" i="1" smtClean="0">
-                        <a:latin typeface="Cambria Math" panose="02040503050406030204" pitchFamily="18" charset="0"/>
-                      </a:rPr>
-                      <m:t>𝜙</m:t>
-                    </m:r>
-                  </m:oMath>
-                </a14:m>
-                <a:r>
-                  <a:rPr lang="en-US" dirty="0"/>
-                  <a:t> </a:t>
-                </a:r>
-                <a:r>
-                  <a:rPr lang="zh-CN" altLang="en-US" dirty="0"/>
-                  <a:t>中到底发现了什么。不要试图强行解释道理，就说初期，</a:t>
-                </a:r>
-                <a14:m>
-                  <m:oMath xmlns:m="http://schemas.openxmlformats.org/officeDocument/2006/math">
-                    <m:r>
-                      <a:rPr lang="en-US" altLang="zh-CN" b="0" i="1" smtClean="0">
-                        <a:latin typeface="Cambria Math" panose="02040503050406030204" pitchFamily="18" charset="0"/>
-                      </a:rPr>
-                      <m:t>𝑝</m:t>
-                    </m:r>
-                  </m:oMath>
-                </a14:m>
-                <a:r>
-                  <a:rPr lang="en-US" dirty="0"/>
-                  <a:t> </a:t>
-                </a:r>
-                <a:r>
-                  <a:rPr lang="zh-CN" altLang="en-US" dirty="0"/>
-                  <a:t>和 </a:t>
-                </a:r>
-                <a14:m>
-                  <m:oMath xmlns:m="http://schemas.openxmlformats.org/officeDocument/2006/math">
-                    <m:r>
-                      <a:rPr lang="en-US" altLang="zh-CN" b="0" i="1" smtClean="0">
-                        <a:latin typeface="Cambria Math" panose="02040503050406030204" pitchFamily="18" charset="0"/>
-                      </a:rPr>
-                      <m:t>𝜙</m:t>
-                    </m:r>
-                  </m:oMath>
-                </a14:m>
-                <a:r>
-                  <a:rPr lang="en-US" dirty="0"/>
-                  <a:t> </a:t>
-                </a:r>
-                <a:r>
-                  <a:rPr lang="zh-CN" altLang="en-US" dirty="0"/>
-                  <a:t>不变</a:t>
-                </a:r>
-                <a:r>
-                  <a:rPr lang="en-US" altLang="zh-CN" dirty="0"/>
-                  <a:t>(</a:t>
-                </a:r>
-                <a:r>
-                  <a:rPr lang="zh-CN" altLang="en-US" dirty="0"/>
-                  <a:t>很可能是因为 </a:t>
-                </a:r>
-                <a:r>
-                  <a:rPr lang="en-US" altLang="zh-CN" dirty="0"/>
-                  <a:t>market asymmetry)</a:t>
-                </a:r>
-                <a:r>
-                  <a:rPr lang="zh-CN" altLang="en-US" dirty="0"/>
-                  <a:t>，但是之后开始增长是因为 </a:t>
-                </a:r>
-                <a:r>
-                  <a:rPr lang="en-US" altLang="zh-CN" dirty="0"/>
-                  <a:t>customer </a:t>
-                </a:r>
-                <a:r>
-                  <a:rPr lang="en-US" altLang="zh-CN" dirty="0" err="1"/>
-                  <a:t>heterogeinity</a:t>
-                </a:r>
-                <a:r>
-                  <a:rPr lang="en-US" altLang="zh-CN" dirty="0"/>
-                  <a:t> </a:t>
-                </a:r>
-                <a:endParaRPr lang="en-US" dirty="0"/>
               </a:p>
             </p:txBody>
           </p:sp>
@@ -2571,10 +2461,9 @@
               <a:buAutoNum type="arabicPeriod"/>
             </a:pPr>
             <a:r>
-              <a:rPr lang="zh-CN" altLang="en-US" dirty="0"/>
-              <a:t>解释基本情况</a:t>
+              <a:rPr lang="en-US" altLang="zh-CN" dirty="0"/>
+              <a:t>Facts</a:t>
             </a:r>
-            <a:endParaRPr lang="en-US" altLang="zh-CN" dirty="0"/>
           </a:p>
           <a:p>
             <a:pPr marL="685800" lvl="1" indent="-228600">
@@ -3507,7 +3396,7 @@
           <a:p>
             <a:fld id="{8B011176-F7C2-4FA4-8B99-90DD0E8EE1CF}" type="datetime1">
               <a:rPr lang="en-US" smtClean="0"/>
-              <a:t>4/13/2019</a:t>
+              <a:t>7/27/2020</a:t>
             </a:fld>
             <a:endParaRPr lang="en-US"/>
           </a:p>
@@ -3716,7 +3605,7 @@
           <a:p>
             <a:fld id="{072DB3E8-31AA-47E7-9832-CFB7597B36B5}" type="datetime1">
               <a:rPr lang="en-US" smtClean="0"/>
-              <a:t>4/13/2019</a:t>
+              <a:t>7/27/2020</a:t>
             </a:fld>
             <a:endParaRPr lang="en-US"/>
           </a:p>
@@ -3915,7 +3804,7 @@
           <a:p>
             <a:fld id="{F49BF896-F7FA-4810-9BA1-538D0663DB77}" type="datetime1">
               <a:rPr lang="en-US" smtClean="0"/>
-              <a:t>4/13/2019</a:t>
+              <a:t>7/27/2020</a:t>
             </a:fld>
             <a:endParaRPr lang="en-US" dirty="0"/>
           </a:p>
@@ -4137,7 +4026,7 @@
           <a:p>
             <a:fld id="{EC1CAB12-90F3-4BAC-AFCD-AA30A4884ED7}" type="datetime1">
               <a:rPr lang="en-US" smtClean="0"/>
-              <a:t>4/13/2019</a:t>
+              <a:t>7/27/2020</a:t>
             </a:fld>
             <a:endParaRPr lang="en-US"/>
           </a:p>
@@ -4453,7 +4342,7 @@
           <a:p>
             <a:fld id="{D60EAAFA-6F86-40E5-BB7B-F013D314A892}" type="datetime1">
               <a:rPr lang="en-US" smtClean="0"/>
-              <a:t>4/13/2019</a:t>
+              <a:t>7/27/2020</a:t>
             </a:fld>
             <a:endParaRPr lang="en-US"/>
           </a:p>
@@ -4908,7 +4797,7 @@
           <a:p>
             <a:fld id="{F602B861-FD89-4F1A-865C-9D89252D78AE}" type="datetime1">
               <a:rPr lang="en-US" smtClean="0"/>
-              <a:t>4/13/2019</a:t>
+              <a:t>7/27/2020</a:t>
             </a:fld>
             <a:endParaRPr lang="en-US"/>
           </a:p>
@@ -5056,7 +4945,7 @@
           <a:p>
             <a:fld id="{0194EB1E-E5A2-429F-90D8-FC72B12A714F}" type="datetime1">
               <a:rPr lang="en-US" smtClean="0"/>
-              <a:t>4/13/2019</a:t>
+              <a:t>7/27/2020</a:t>
             </a:fld>
             <a:endParaRPr lang="en-US"/>
           </a:p>
@@ -5182,7 +5071,7 @@
           <a:p>
             <a:fld id="{9C7F78B2-9D3C-4ABE-881F-D93BFCE07FEB}" type="datetime1">
               <a:rPr lang="en-US" smtClean="0"/>
-              <a:t>4/13/2019</a:t>
+              <a:t>7/27/2020</a:t>
             </a:fld>
             <a:endParaRPr lang="en-US"/>
           </a:p>
@@ -5488,7 +5377,7 @@
           <a:p>
             <a:fld id="{C02933D6-8610-4A16-8B7A-35ED359A907B}" type="datetime1">
               <a:rPr lang="en-US" smtClean="0"/>
-              <a:t>4/13/2019</a:t>
+              <a:t>7/27/2020</a:t>
             </a:fld>
             <a:endParaRPr lang="en-US"/>
           </a:p>
@@ -5775,7 +5664,7 @@
           <a:p>
             <a:fld id="{186DC252-A7CD-4656-8790-C696ECE6338B}" type="datetime1">
               <a:rPr lang="en-US" smtClean="0"/>
-              <a:t>4/13/2019</a:t>
+              <a:t>7/27/2020</a:t>
             </a:fld>
             <a:endParaRPr lang="en-US"/>
           </a:p>
@@ -6241,7 +6130,7 @@
           <a:p>
             <a:fld id="{BB8C5E2D-BFC4-41BF-A176-F7BD4CB3DD4D}" type="datetime1">
               <a:rPr lang="en-US" smtClean="0"/>
-              <a:t>4/13/2019</a:t>
+              <a:t>7/27/2020</a:t>
             </a:fld>
             <a:endParaRPr lang="en-US"/>
           </a:p>
@@ -10078,7 +9967,6 @@
             <a:tailEnd type="none" w="med" len="med"/>
           </a:ln>
           <a:effectLst/>
-          <a:extLst/>
         </p:spPr>
         <p:txBody>
           <a:bodyPr vert="horz" wrap="square" lIns="91440" tIns="45720" rIns="91440" bIns="45720" numCol="1" rtlCol="0" anchor="t" anchorCtr="0" compatLnSpc="1">
@@ -10151,7 +10039,6 @@
             <a:tailEnd type="none" w="med" len="med"/>
           </a:ln>
           <a:effectLst/>
-          <a:extLst/>
         </p:spPr>
         <p:txBody>
           <a:bodyPr vert="horz" wrap="square" lIns="91440" tIns="45720" rIns="91440" bIns="45720" numCol="1" rtlCol="0" anchor="t" anchorCtr="0" compatLnSpc="1">
@@ -10224,7 +10111,6 @@
             <a:tailEnd type="none" w="med" len="med"/>
           </a:ln>
           <a:effectLst/>
-          <a:extLst/>
         </p:spPr>
         <p:txBody>
           <a:bodyPr vert="horz" wrap="square" lIns="91440" tIns="45720" rIns="91440" bIns="45720" numCol="1" rtlCol="0" anchor="t" anchorCtr="0" compatLnSpc="1">
@@ -10297,7 +10183,6 @@
             <a:tailEnd type="none" w="med" len="med"/>
           </a:ln>
           <a:effectLst/>
-          <a:extLst/>
         </p:spPr>
         <p:txBody>
           <a:bodyPr vert="horz" wrap="square" lIns="91440" tIns="45720" rIns="91440" bIns="45720" numCol="1" rtlCol="0" anchor="t" anchorCtr="0" compatLnSpc="1">
@@ -10370,7 +10255,6 @@
             <a:tailEnd type="none" w="med" len="med"/>
           </a:ln>
           <a:effectLst/>
-          <a:extLst/>
         </p:spPr>
         <p:txBody>
           <a:bodyPr vert="horz" wrap="square" lIns="91440" tIns="45720" rIns="91440" bIns="45720" numCol="1" rtlCol="0" anchor="t" anchorCtr="0" compatLnSpc="1">
@@ -11952,7 +11836,6 @@
             <a:tailEnd type="none" w="med" len="med"/>
           </a:ln>
           <a:effectLst/>
-          <a:extLst/>
         </p:spPr>
         <p:txBody>
           <a:bodyPr vert="horz" wrap="square" lIns="91440" tIns="45720" rIns="91440" bIns="45720" numCol="1" rtlCol="0" anchor="t" anchorCtr="0" compatLnSpc="1">
@@ -12025,7 +11908,6 @@
             <a:tailEnd type="none" w="med" len="med"/>
           </a:ln>
           <a:effectLst/>
-          <a:extLst/>
         </p:spPr>
         <p:txBody>
           <a:bodyPr vert="horz" wrap="square" lIns="91440" tIns="45720" rIns="91440" bIns="45720" numCol="1" rtlCol="0" anchor="t" anchorCtr="0" compatLnSpc="1">
@@ -12098,7 +11980,6 @@
             <a:tailEnd type="none" w="med" len="med"/>
           </a:ln>
           <a:effectLst/>
-          <a:extLst/>
         </p:spPr>
         <p:txBody>
           <a:bodyPr vert="horz" wrap="square" lIns="91440" tIns="45720" rIns="91440" bIns="45720" numCol="1" rtlCol="0" anchor="t" anchorCtr="0" compatLnSpc="1">
@@ -12171,7 +12052,6 @@
             <a:tailEnd type="none" w="med" len="med"/>
           </a:ln>
           <a:effectLst/>
-          <a:extLst/>
         </p:spPr>
         <p:txBody>
           <a:bodyPr vert="horz" wrap="square" lIns="91440" tIns="45720" rIns="91440" bIns="45720" numCol="1" rtlCol="0" anchor="t" anchorCtr="0" compatLnSpc="1">
@@ -12244,7 +12124,6 @@
             <a:tailEnd type="none" w="med" len="med"/>
           </a:ln>
           <a:effectLst/>
-          <a:extLst/>
         </p:spPr>
         <p:txBody>
           <a:bodyPr vert="horz" wrap="square" lIns="91440" tIns="45720" rIns="91440" bIns="45720" numCol="1" rtlCol="0" anchor="t" anchorCtr="0" compatLnSpc="1">
@@ -12423,7 +12302,6 @@
             <a:tailEnd type="none" w="med" len="med"/>
           </a:ln>
           <a:effectLst/>
-          <a:extLst/>
         </p:spPr>
         <p:txBody>
           <a:bodyPr vert="horz" wrap="square" lIns="91440" tIns="45720" rIns="91440" bIns="45720" numCol="1" rtlCol="0" anchor="t" anchorCtr="0" compatLnSpc="1">
@@ -12496,7 +12374,6 @@
             <a:tailEnd type="none" w="med" len="med"/>
           </a:ln>
           <a:effectLst/>
-          <a:extLst/>
         </p:spPr>
         <p:txBody>
           <a:bodyPr vert="horz" wrap="square" lIns="91440" tIns="45720" rIns="91440" bIns="45720" numCol="1" rtlCol="0" anchor="t" anchorCtr="0" compatLnSpc="1">
@@ -12569,7 +12446,6 @@
             <a:tailEnd type="none" w="med" len="med"/>
           </a:ln>
           <a:effectLst/>
-          <a:extLst/>
         </p:spPr>
         <p:txBody>
           <a:bodyPr vert="horz" wrap="square" lIns="91440" tIns="45720" rIns="91440" bIns="45720" numCol="1" rtlCol="0" anchor="t" anchorCtr="0" compatLnSpc="1">
@@ -12642,7 +12518,6 @@
             <a:tailEnd type="none" w="med" len="med"/>
           </a:ln>
           <a:effectLst/>
-          <a:extLst/>
         </p:spPr>
         <p:txBody>
           <a:bodyPr vert="horz" wrap="square" lIns="91440" tIns="45720" rIns="91440" bIns="45720" numCol="1" rtlCol="0" anchor="t" anchorCtr="0" compatLnSpc="1">
@@ -12715,7 +12590,6 @@
             <a:tailEnd type="none" w="med" len="med"/>
           </a:ln>
           <a:effectLst/>
-          <a:extLst/>
         </p:spPr>
         <p:txBody>
           <a:bodyPr vert="horz" wrap="square" lIns="91440" tIns="45720" rIns="91440" bIns="45720" numCol="1" rtlCol="0" anchor="t" anchorCtr="0" compatLnSpc="1">
@@ -12947,7 +12821,6 @@
             <a:tailEnd type="none" w="med" len="med"/>
           </a:ln>
           <a:effectLst/>
-          <a:extLst/>
         </p:spPr>
         <p:txBody>
           <a:bodyPr vert="horz" wrap="square" lIns="91440" tIns="45720" rIns="91440" bIns="45720" numCol="1" rtlCol="0" anchor="t" anchorCtr="0" compatLnSpc="1">
@@ -13020,7 +12893,6 @@
             <a:tailEnd type="none" w="med" len="med"/>
           </a:ln>
           <a:effectLst/>
-          <a:extLst/>
         </p:spPr>
         <p:txBody>
           <a:bodyPr vert="horz" wrap="square" lIns="91440" tIns="45720" rIns="91440" bIns="45720" numCol="1" rtlCol="0" anchor="t" anchorCtr="0" compatLnSpc="1">
@@ -13093,7 +12965,6 @@
             <a:tailEnd type="none" w="med" len="med"/>
           </a:ln>
           <a:effectLst/>
-          <a:extLst/>
         </p:spPr>
         <p:txBody>
           <a:bodyPr vert="horz" wrap="square" lIns="91440" tIns="45720" rIns="91440" bIns="45720" numCol="1" rtlCol="0" anchor="t" anchorCtr="0" compatLnSpc="1">
@@ -13166,7 +13037,6 @@
             <a:tailEnd type="none" w="med" len="med"/>
           </a:ln>
           <a:effectLst/>
-          <a:extLst/>
         </p:spPr>
         <p:txBody>
           <a:bodyPr vert="horz" wrap="square" lIns="91440" tIns="45720" rIns="91440" bIns="45720" numCol="1" rtlCol="0" anchor="t" anchorCtr="0" compatLnSpc="1">
@@ -13239,7 +13109,6 @@
             <a:tailEnd type="none" w="med" len="med"/>
           </a:ln>
           <a:effectLst/>
-          <a:extLst/>
         </p:spPr>
         <p:txBody>
           <a:bodyPr vert="horz" wrap="square" lIns="91440" tIns="45720" rIns="91440" bIns="45720" numCol="1" rtlCol="0" anchor="t" anchorCtr="0" compatLnSpc="1">
@@ -13524,7 +13393,6 @@
             <a:tailEnd type="none" w="med" len="med"/>
           </a:ln>
           <a:effectLst/>
-          <a:extLst/>
         </p:spPr>
         <p:txBody>
           <a:bodyPr vert="horz" wrap="square" lIns="91440" tIns="45720" rIns="91440" bIns="45720" numCol="1" rtlCol="0" anchor="t" anchorCtr="0" compatLnSpc="1">
@@ -13597,7 +13465,6 @@
             <a:tailEnd type="none" w="med" len="med"/>
           </a:ln>
           <a:effectLst/>
-          <a:extLst/>
         </p:spPr>
         <p:txBody>
           <a:bodyPr vert="horz" wrap="square" lIns="91440" tIns="45720" rIns="91440" bIns="45720" numCol="1" rtlCol="0" anchor="t" anchorCtr="0" compatLnSpc="1">
@@ -13670,7 +13537,6 @@
             <a:tailEnd type="none" w="med" len="med"/>
           </a:ln>
           <a:effectLst/>
-          <a:extLst/>
         </p:spPr>
         <p:txBody>
           <a:bodyPr vert="horz" wrap="square" lIns="91440" tIns="45720" rIns="91440" bIns="45720" numCol="1" rtlCol="0" anchor="t" anchorCtr="0" compatLnSpc="1">
@@ -13743,7 +13609,6 @@
             <a:tailEnd type="none" w="med" len="med"/>
           </a:ln>
           <a:effectLst/>
-          <a:extLst/>
         </p:spPr>
         <p:txBody>
           <a:bodyPr vert="horz" wrap="square" lIns="91440" tIns="45720" rIns="91440" bIns="45720" numCol="1" rtlCol="0" anchor="t" anchorCtr="0" compatLnSpc="1">
@@ -13816,7 +13681,6 @@
             <a:tailEnd type="none" w="med" len="med"/>
           </a:ln>
           <a:effectLst/>
-          <a:extLst/>
         </p:spPr>
         <p:txBody>
           <a:bodyPr vert="horz" wrap="square" lIns="91440" tIns="45720" rIns="91440" bIns="45720" numCol="1" rtlCol="0" anchor="t" anchorCtr="0" compatLnSpc="1">
@@ -14154,7 +14018,6 @@
             <a:tailEnd type="none" w="med" len="med"/>
           </a:ln>
           <a:effectLst/>
-          <a:extLst/>
         </p:spPr>
         <p:txBody>
           <a:bodyPr vert="horz" wrap="square" lIns="91440" tIns="45720" rIns="91440" bIns="45720" numCol="1" rtlCol="0" anchor="t" anchorCtr="0" compatLnSpc="1">
@@ -14227,7 +14090,6 @@
             <a:tailEnd type="none" w="med" len="med"/>
           </a:ln>
           <a:effectLst/>
-          <a:extLst/>
         </p:spPr>
         <p:txBody>
           <a:bodyPr vert="horz" wrap="square" lIns="91440" tIns="45720" rIns="91440" bIns="45720" numCol="1" rtlCol="0" anchor="t" anchorCtr="0" compatLnSpc="1">
@@ -14300,7 +14162,6 @@
             <a:tailEnd type="none" w="med" len="med"/>
           </a:ln>
           <a:effectLst/>
-          <a:extLst/>
         </p:spPr>
         <p:txBody>
           <a:bodyPr vert="horz" wrap="square" lIns="91440" tIns="45720" rIns="91440" bIns="45720" numCol="1" rtlCol="0" anchor="t" anchorCtr="0" compatLnSpc="1">
@@ -14373,7 +14234,6 @@
             <a:tailEnd type="none" w="med" len="med"/>
           </a:ln>
           <a:effectLst/>
-          <a:extLst/>
         </p:spPr>
         <p:txBody>
           <a:bodyPr vert="horz" wrap="square" lIns="91440" tIns="45720" rIns="91440" bIns="45720" numCol="1" rtlCol="0" anchor="t" anchorCtr="0" compatLnSpc="1">
@@ -14446,7 +14306,6 @@
             <a:tailEnd type="none" w="med" len="med"/>
           </a:ln>
           <a:effectLst/>
-          <a:extLst/>
         </p:spPr>
         <p:txBody>
           <a:bodyPr vert="horz" wrap="square" lIns="91440" tIns="45720" rIns="91440" bIns="45720" numCol="1" rtlCol="0" anchor="t" anchorCtr="0" compatLnSpc="1">
